--- a/PowerPoint/InAppBilling.pptx
+++ b/PowerPoint/InAppBilling.pptx
@@ -11,8 +11,10 @@
     <p:sldId id="260" r:id="rId5"/>
     <p:sldId id="258" r:id="rId6"/>
     <p:sldId id="261" r:id="rId7"/>
-    <p:sldId id="262" r:id="rId8"/>
-    <p:sldId id="263" r:id="rId9"/>
+    <p:sldId id="264" r:id="rId8"/>
+    <p:sldId id="265" r:id="rId9"/>
+    <p:sldId id="262" r:id="rId10"/>
+    <p:sldId id="263" r:id="rId11"/>
   </p:sldIdLst>
   <p:sldSz cx="12192000" cy="6858000"/>
   <p:notesSz cx="6858000" cy="9144000"/>
@@ -122,14 +124,23 @@
             <p14:sldId id="260"/>
             <p14:sldId id="258"/>
             <p14:sldId id="261"/>
+            <p14:sldId id="264"/>
+            <p14:sldId id="265"/>
             <p14:sldId id="262"/>
             <p14:sldId id="263"/>
           </p14:sldIdLst>
         </p14:section>
       </p14:sectionLst>
     </p:ext>
+    <p:ext uri="{EFAFB233-063F-42B5-8137-9DF3F51BA10A}">
+      <p15:sldGuideLst xmlns:p15="http://schemas.microsoft.com/office/powerpoint/2012/main"/>
+    </p:ext>
   </p:extLst>
 </p:presentation>
+</file>
+
+<file path=ppt/revisionInfo.xml><?xml version="1.0" encoding="utf-8"?>
+<p1510:revInfo xmlns:a="http://schemas.openxmlformats.org/drawingml/2006/main" xmlns:r="http://schemas.openxmlformats.org/officeDocument/2006/relationships" xmlns:p1510="http://schemas.microsoft.com/office/powerpoint/2015/10/main"/>
 </file>
 
 <file path=ppt/slideLayouts/slideLayout1.xml><?xml version="1.0" encoding="utf-8"?>
@@ -302,7 +313,7 @@
             <a:fld id="{87DE6118-2437-4B30-8E3C-4D2BE6020583}" type="datetimeFigureOut">
               <a:rPr lang="en-US" dirty="0"/>
               <a:pPr/>
-              <a:t>11/13/2017</a:t>
+              <a:t>12/13/2017</a:t>
             </a:fld>
             <a:endParaRPr lang="en-US" dirty="0"/>
           </a:p>
@@ -628,7 +639,7 @@
           <a:p>
             <a:fld id="{87DE6118-2437-4B30-8E3C-4D2BE6020583}" type="datetimeFigureOut">
               <a:rPr lang="en-US" dirty="0"/>
-              <a:t>11/13/2017</a:t>
+              <a:t>12/13/2017</a:t>
             </a:fld>
             <a:endParaRPr lang="en-US" dirty="0"/>
           </a:p>
@@ -803,7 +814,7 @@
           <a:p>
             <a:fld id="{87DE6118-2437-4B30-8E3C-4D2BE6020583}" type="datetimeFigureOut">
               <a:rPr lang="en-US" dirty="0"/>
-              <a:t>11/13/2017</a:t>
+              <a:t>12/13/2017</a:t>
             </a:fld>
             <a:endParaRPr lang="en-US" dirty="0"/>
           </a:p>
@@ -968,7 +979,7 @@
           <a:p>
             <a:fld id="{87DE6118-2437-4B30-8E3C-4D2BE6020583}" type="datetimeFigureOut">
               <a:rPr lang="en-US" dirty="0"/>
-              <a:t>11/13/2017</a:t>
+              <a:t>12/13/2017</a:t>
             </a:fld>
             <a:endParaRPr lang="en-US" dirty="0"/>
           </a:p>
@@ -1241,7 +1252,7 @@
             <a:fld id="{87DE6118-2437-4B30-8E3C-4D2BE6020583}" type="datetimeFigureOut">
               <a:rPr lang="en-US" dirty="0"/>
               <a:pPr/>
-              <a:t>11/13/2017</a:t>
+              <a:t>12/13/2017</a:t>
             </a:fld>
             <a:endParaRPr lang="en-US" dirty="0"/>
           </a:p>
@@ -1631,7 +1642,7 @@
           <a:p>
             <a:fld id="{87DE6118-2437-4B30-8E3C-4D2BE6020583}" type="datetimeFigureOut">
               <a:rPr lang="en-US" dirty="0"/>
-              <a:t>11/13/2017</a:t>
+              <a:t>12/13/2017</a:t>
             </a:fld>
             <a:endParaRPr lang="en-US" dirty="0"/>
           </a:p>
@@ -2103,7 +2114,7 @@
           <a:p>
             <a:fld id="{87DE6118-2437-4B30-8E3C-4D2BE6020583}" type="datetimeFigureOut">
               <a:rPr lang="en-US" dirty="0"/>
-              <a:t>11/13/2017</a:t>
+              <a:t>12/13/2017</a:t>
             </a:fld>
             <a:endParaRPr lang="en-US" dirty="0"/>
           </a:p>
@@ -2216,7 +2227,7 @@
           <a:p>
             <a:fld id="{87DE6118-2437-4B30-8E3C-4D2BE6020583}" type="datetimeFigureOut">
               <a:rPr lang="en-US" dirty="0"/>
-              <a:t>11/13/2017</a:t>
+              <a:t>12/13/2017</a:t>
             </a:fld>
             <a:endParaRPr lang="en-US" dirty="0"/>
           </a:p>
@@ -2306,7 +2317,7 @@
           <a:p>
             <a:fld id="{87DE6118-2437-4B30-8E3C-4D2BE6020583}" type="datetimeFigureOut">
               <a:rPr lang="en-US" dirty="0"/>
-              <a:t>11/13/2017</a:t>
+              <a:t>12/13/2017</a:t>
             </a:fld>
             <a:endParaRPr lang="en-US" dirty="0"/>
           </a:p>
@@ -2648,7 +2659,7 @@
             <a:fld id="{87DE6118-2437-4B30-8E3C-4D2BE6020583}" type="datetimeFigureOut">
               <a:rPr lang="en-US" dirty="0"/>
               <a:pPr/>
-              <a:t>11/13/2017</a:t>
+              <a:t>12/13/2017</a:t>
             </a:fld>
             <a:endParaRPr lang="en-US" dirty="0"/>
           </a:p>
@@ -3033,7 +3044,7 @@
             <a:fld id="{87DE6118-2437-4B30-8E3C-4D2BE6020583}" type="datetimeFigureOut">
               <a:rPr lang="en-US" dirty="0"/>
               <a:pPr/>
-              <a:t>11/13/2017</a:t>
+              <a:t>12/13/2017</a:t>
             </a:fld>
             <a:endParaRPr lang="en-US" dirty="0"/>
           </a:p>
@@ -3308,7 +3319,7 @@
             <a:fld id="{87DE6118-2437-4B30-8E3C-4D2BE6020583}" type="datetimeFigureOut">
               <a:rPr lang="en-US" dirty="0"/>
               <a:pPr/>
-              <a:t>11/13/2017</a:t>
+              <a:t>12/13/2017</a:t>
             </a:fld>
             <a:endParaRPr lang="en-US" dirty="0"/>
           </a:p>
@@ -3900,6 +3911,117 @@
 </p:sld>
 </file>
 
+<file path=ppt/slides/slide10.xml><?xml version="1.0" encoding="utf-8"?>
+<p:sld xmlns:a="http://schemas.openxmlformats.org/drawingml/2006/main" xmlns:r="http://schemas.openxmlformats.org/officeDocument/2006/relationships" xmlns:p="http://schemas.openxmlformats.org/presentationml/2006/main">
+  <p:cSld>
+    <p:spTree>
+      <p:nvGrpSpPr>
+        <p:cNvPr id="1" name=""/>
+        <p:cNvGrpSpPr/>
+        <p:nvPr/>
+      </p:nvGrpSpPr>
+      <p:grpSpPr>
+        <a:xfrm>
+          <a:off x="0" y="0"/>
+          <a:ext cx="0" cy="0"/>
+          <a:chOff x="0" y="0"/>
+          <a:chExt cx="0" cy="0"/>
+        </a:xfrm>
+      </p:grpSpPr>
+      <p:sp>
+        <p:nvSpPr>
+          <p:cNvPr id="2" name="Titel 1">
+            <a:extLst>
+              <a:ext uri="{FF2B5EF4-FFF2-40B4-BE49-F238E27FC236}">
+                <a16:creationId xmlns:a16="http://schemas.microsoft.com/office/drawing/2014/main" id="{5984C00C-DA04-4EFD-ADAA-ABF2E67F01F4}"/>
+              </a:ext>
+            </a:extLst>
+          </p:cNvPr>
+          <p:cNvSpPr>
+            <a:spLocks noGrp="1"/>
+          </p:cNvSpPr>
+          <p:nvPr>
+            <p:ph type="title"/>
+          </p:nvPr>
+        </p:nvSpPr>
+        <p:spPr>
+          <a:xfrm>
+            <a:off x="1295400" y="2686050"/>
+            <a:ext cx="9601200" cy="1485900"/>
+          </a:xfrm>
+        </p:spPr>
+        <p:txBody>
+          <a:bodyPr anchor="ctr"/>
+          <a:lstStyle/>
+          <a:p>
+            <a:pPr algn="ctr"/>
+            <a:r>
+              <a:rPr lang="en-US" dirty="0"/>
+              <a:t>Thank you!</a:t>
+            </a:r>
+          </a:p>
+        </p:txBody>
+      </p:sp>
+      <p:pic>
+        <p:nvPicPr>
+          <p:cNvPr id="3074" name="Picture 2" descr="Afbeeldingsresultaat voor thumbs up">
+            <a:extLst>
+              <a:ext uri="{FF2B5EF4-FFF2-40B4-BE49-F238E27FC236}">
+                <a16:creationId xmlns:a16="http://schemas.microsoft.com/office/drawing/2014/main" id="{3C823666-712D-4967-95E4-600748682E19}"/>
+              </a:ext>
+            </a:extLst>
+          </p:cNvPr>
+          <p:cNvPicPr>
+            <a:picLocks noChangeAspect="1" noChangeArrowheads="1"/>
+          </p:cNvPicPr>
+          <p:nvPr/>
+        </p:nvPicPr>
+        <p:blipFill>
+          <a:blip r:embed="rId2">
+            <a:extLst>
+              <a:ext uri="{28A0092B-C50C-407E-A947-70E740481C1C}">
+                <a14:useLocalDpi xmlns:a14="http://schemas.microsoft.com/office/drawing/2010/main" val="0"/>
+              </a:ext>
+            </a:extLst>
+          </a:blip>
+          <a:srcRect/>
+          <a:stretch>
+            <a:fillRect/>
+          </a:stretch>
+        </p:blipFill>
+        <p:spPr bwMode="auto">
+          <a:xfrm>
+            <a:off x="7628708" y="2819400"/>
+            <a:ext cx="1219200" cy="1219200"/>
+          </a:xfrm>
+          <a:prstGeom prst="rect">
+            <a:avLst/>
+          </a:prstGeom>
+          <a:noFill/>
+          <a:extLst>
+            <a:ext uri="{909E8E84-426E-40DD-AFC4-6F175D3DCCD1}">
+              <a14:hiddenFill xmlns:a14="http://schemas.microsoft.com/office/drawing/2010/main">
+                <a:solidFill>
+                  <a:srgbClr val="FFFFFF"/>
+                </a:solidFill>
+              </a14:hiddenFill>
+            </a:ext>
+          </a:extLst>
+        </p:spPr>
+      </p:pic>
+    </p:spTree>
+    <p:extLst>
+      <p:ext uri="{BB962C8B-B14F-4D97-AF65-F5344CB8AC3E}">
+        <p14:creationId xmlns:p14="http://schemas.microsoft.com/office/powerpoint/2010/main" val="3978680046"/>
+      </p:ext>
+    </p:extLst>
+  </p:cSld>
+  <p:clrMapOvr>
+    <a:masterClrMapping/>
+  </p:clrMapOvr>
+</p:sld>
+</file>
+
 <file path=ppt/slides/slide2.xml><?xml version="1.0" encoding="utf-8"?>
 <p:sld xmlns:a="http://schemas.openxmlformats.org/drawingml/2006/main" xmlns:r="http://schemas.openxmlformats.org/officeDocument/2006/relationships" xmlns:p="http://schemas.openxmlformats.org/presentationml/2006/main">
   <p:cSld>
@@ -5074,44 +5196,40 @@
           <a:chExt cx="0" cy="0"/>
         </a:xfrm>
       </p:grpSpPr>
-      <p:sp>
-        <p:nvSpPr>
-          <p:cNvPr id="2" name="Titel 1">
+      <p:pic>
+        <p:nvPicPr>
+          <p:cNvPr id="5" name="Afbeelding 4">
             <a:extLst>
               <a:ext uri="{FF2B5EF4-FFF2-40B4-BE49-F238E27FC236}">
-                <a16:creationId xmlns:a16="http://schemas.microsoft.com/office/drawing/2014/main" id="{CB9408D1-4CAD-4B6F-94FB-C1BB37920821}"/>
+                <a16:creationId xmlns:a16="http://schemas.microsoft.com/office/drawing/2014/main" id="{64A1A224-70B5-46AE-8A13-D8374CB6AB28}"/>
               </a:ext>
             </a:extLst>
           </p:cNvPr>
-          <p:cNvSpPr>
-            <a:spLocks noGrp="1"/>
-          </p:cNvSpPr>
-          <p:nvPr>
-            <p:ph type="title"/>
-          </p:nvPr>
-        </p:nvSpPr>
-        <p:spPr>
-          <a:xfrm>
-            <a:off x="1295400" y="2686050"/>
-            <a:ext cx="9601200" cy="1485900"/>
-          </a:xfrm>
-        </p:spPr>
-        <p:txBody>
-          <a:bodyPr anchor="ctr"/>
-          <a:lstStyle/>
-          <a:p>
-            <a:pPr algn="ctr"/>
-            <a:r>
-              <a:rPr lang="en-US" dirty="0"/>
-              <a:t>Questions?</a:t>
-            </a:r>
-          </a:p>
-        </p:txBody>
-      </p:sp>
+          <p:cNvPicPr>
+            <a:picLocks noChangeAspect="1"/>
+          </p:cNvPicPr>
+          <p:nvPr/>
+        </p:nvPicPr>
+        <p:blipFill>
+          <a:blip r:embed="rId2"/>
+          <a:stretch>
+            <a:fillRect/>
+          </a:stretch>
+        </p:blipFill>
+        <p:spPr>
+          <a:xfrm>
+            <a:off x="2128837" y="914400"/>
+            <a:ext cx="7934325" cy="5029200"/>
+          </a:xfrm>
+          <a:prstGeom prst="rect">
+            <a:avLst/>
+          </a:prstGeom>
+        </p:spPr>
+      </p:pic>
     </p:spTree>
     <p:extLst>
       <p:ext uri="{BB962C8B-B14F-4D97-AF65-F5344CB8AC3E}">
-        <p14:creationId xmlns:p14="http://schemas.microsoft.com/office/powerpoint/2010/main" val="763200101"/>
+        <p14:creationId xmlns:p14="http://schemas.microsoft.com/office/powerpoint/2010/main" val="2597450729"/>
       </p:ext>
     </p:extLst>
   </p:cSld>
@@ -5138,91 +5256,104 @@
           <a:chExt cx="0" cy="0"/>
         </a:xfrm>
       </p:grpSpPr>
-      <p:sp>
-        <p:nvSpPr>
-          <p:cNvPr id="2" name="Titel 1">
+      <p:pic>
+        <p:nvPicPr>
+          <p:cNvPr id="2" name="Afbeelding 1">
             <a:extLst>
               <a:ext uri="{FF2B5EF4-FFF2-40B4-BE49-F238E27FC236}">
-                <a16:creationId xmlns:a16="http://schemas.microsoft.com/office/drawing/2014/main" id="{5984C00C-DA04-4EFD-ADAA-ABF2E67F01F4}"/>
-              </a:ext>
-            </a:extLst>
-          </p:cNvPr>
-          <p:cNvSpPr>
-            <a:spLocks noGrp="1"/>
-          </p:cNvSpPr>
-          <p:nvPr>
-            <p:ph type="title"/>
-          </p:nvPr>
-        </p:nvSpPr>
-        <p:spPr>
-          <a:xfrm>
-            <a:off x="1295400" y="2686050"/>
-            <a:ext cx="9601200" cy="1485900"/>
-          </a:xfrm>
-        </p:spPr>
-        <p:txBody>
-          <a:bodyPr anchor="ctr"/>
-          <a:lstStyle/>
-          <a:p>
-            <a:pPr algn="ctr"/>
-            <a:r>
-              <a:rPr lang="en-US" dirty="0"/>
-              <a:t>Thank you!</a:t>
-            </a:r>
-          </a:p>
-        </p:txBody>
-      </p:sp>
-      <p:pic>
-        <p:nvPicPr>
-          <p:cNvPr id="3074" name="Picture 2" descr="Afbeeldingsresultaat voor thumbs up">
-            <a:extLst>
-              <a:ext uri="{FF2B5EF4-FFF2-40B4-BE49-F238E27FC236}">
-                <a16:creationId xmlns:a16="http://schemas.microsoft.com/office/drawing/2014/main" id="{3C823666-712D-4967-95E4-600748682E19}"/>
+                <a16:creationId xmlns:a16="http://schemas.microsoft.com/office/drawing/2014/main" id="{3E03F0D8-CF9A-45F2-B143-B4B112C7DE72}"/>
               </a:ext>
             </a:extLst>
           </p:cNvPr>
           <p:cNvPicPr>
-            <a:picLocks noChangeAspect="1" noChangeArrowheads="1"/>
+            <a:picLocks noChangeAspect="1"/>
           </p:cNvPicPr>
           <p:nvPr/>
         </p:nvPicPr>
         <p:blipFill>
-          <a:blip r:embed="rId2">
-            <a:extLst>
-              <a:ext uri="{28A0092B-C50C-407E-A947-70E740481C1C}">
-                <a14:useLocalDpi xmlns:a14="http://schemas.microsoft.com/office/drawing/2010/main" val="0"/>
-              </a:ext>
-            </a:extLst>
-          </a:blip>
-          <a:srcRect/>
+          <a:blip r:embed="rId2"/>
           <a:stretch>
             <a:fillRect/>
           </a:stretch>
         </p:blipFill>
-        <p:spPr bwMode="auto">
-          <a:xfrm>
-            <a:off x="7628708" y="2819400"/>
-            <a:ext cx="1219200" cy="1219200"/>
+        <p:spPr>
+          <a:xfrm>
+            <a:off x="1362075" y="309562"/>
+            <a:ext cx="9467850" cy="6238875"/>
           </a:xfrm>
           <a:prstGeom prst="rect">
             <a:avLst/>
           </a:prstGeom>
-          <a:noFill/>
-          <a:extLst>
-            <a:ext uri="{909E8E84-426E-40DD-AFC4-6F175D3DCCD1}">
-              <a14:hiddenFill xmlns:a14="http://schemas.microsoft.com/office/drawing/2010/main">
-                <a:solidFill>
-                  <a:srgbClr val="FFFFFF"/>
-                </a:solidFill>
-              </a14:hiddenFill>
-            </a:ext>
-          </a:extLst>
         </p:spPr>
       </p:pic>
     </p:spTree>
     <p:extLst>
       <p:ext uri="{BB962C8B-B14F-4D97-AF65-F5344CB8AC3E}">
-        <p14:creationId xmlns:p14="http://schemas.microsoft.com/office/powerpoint/2010/main" val="3978680046"/>
+        <p14:creationId xmlns:p14="http://schemas.microsoft.com/office/powerpoint/2010/main" val="1370707715"/>
+      </p:ext>
+    </p:extLst>
+  </p:cSld>
+  <p:clrMapOvr>
+    <a:masterClrMapping/>
+  </p:clrMapOvr>
+</p:sld>
+</file>
+
+<file path=ppt/slides/slide9.xml><?xml version="1.0" encoding="utf-8"?>
+<p:sld xmlns:a="http://schemas.openxmlformats.org/drawingml/2006/main" xmlns:r="http://schemas.openxmlformats.org/officeDocument/2006/relationships" xmlns:p="http://schemas.openxmlformats.org/presentationml/2006/main">
+  <p:cSld>
+    <p:spTree>
+      <p:nvGrpSpPr>
+        <p:cNvPr id="1" name=""/>
+        <p:cNvGrpSpPr/>
+        <p:nvPr/>
+      </p:nvGrpSpPr>
+      <p:grpSpPr>
+        <a:xfrm>
+          <a:off x="0" y="0"/>
+          <a:ext cx="0" cy="0"/>
+          <a:chOff x="0" y="0"/>
+          <a:chExt cx="0" cy="0"/>
+        </a:xfrm>
+      </p:grpSpPr>
+      <p:sp>
+        <p:nvSpPr>
+          <p:cNvPr id="2" name="Titel 1">
+            <a:extLst>
+              <a:ext uri="{FF2B5EF4-FFF2-40B4-BE49-F238E27FC236}">
+                <a16:creationId xmlns:a16="http://schemas.microsoft.com/office/drawing/2014/main" id="{CB9408D1-4CAD-4B6F-94FB-C1BB37920821}"/>
+              </a:ext>
+            </a:extLst>
+          </p:cNvPr>
+          <p:cNvSpPr>
+            <a:spLocks noGrp="1"/>
+          </p:cNvSpPr>
+          <p:nvPr>
+            <p:ph type="title"/>
+          </p:nvPr>
+        </p:nvSpPr>
+        <p:spPr>
+          <a:xfrm>
+            <a:off x="1295400" y="2686050"/>
+            <a:ext cx="9601200" cy="1485900"/>
+          </a:xfrm>
+        </p:spPr>
+        <p:txBody>
+          <a:bodyPr anchor="ctr"/>
+          <a:lstStyle/>
+          <a:p>
+            <a:pPr algn="ctr"/>
+            <a:r>
+              <a:rPr lang="en-US" dirty="0"/>
+              <a:t>Questions?</a:t>
+            </a:r>
+          </a:p>
+        </p:txBody>
+      </p:sp>
+    </p:spTree>
+    <p:extLst>
+      <p:ext uri="{BB962C8B-B14F-4D97-AF65-F5344CB8AC3E}">
+        <p14:creationId xmlns:p14="http://schemas.microsoft.com/office/powerpoint/2010/main" val="763200101"/>
       </p:ext>
     </p:extLst>
   </p:cSld>
